--- a/発表資料/B4_上坂大樹_ゼミ用資料.pptx
+++ b/発表資料/B4_上坂大樹_ゼミ用資料.pptx
@@ -15,8 +15,8 @@
     <p:sldId id="344" r:id="rId6"/>
     <p:sldId id="342" r:id="rId7"/>
     <p:sldId id="324" r:id="rId8"/>
-    <p:sldId id="337" r:id="rId9"/>
-    <p:sldId id="339" r:id="rId10"/>
+    <p:sldId id="339" r:id="rId9"/>
+    <p:sldId id="337" r:id="rId10"/>
     <p:sldId id="340" r:id="rId11"/>
     <p:sldId id="332" r:id="rId12"/>
     <p:sldId id="320" r:id="rId13"/>
@@ -216,7 +216,7 @@
           <a:p>
             <a:fld id="{D7BEEBC3-E73B-4C7A-8A9B-630A45928F96}" type="datetimeFigureOut">
               <a:rPr kumimoji="1" lang="ja-JP" altLang="en-US" smtClean="0"/>
-              <a:t>2025/7/3</a:t>
+              <a:t>2025/7/4</a:t>
             </a:fld>
             <a:endParaRPr kumimoji="1" lang="ja-JP" altLang="en-US"/>
           </a:p>
@@ -2962,6 +2962,23 @@
             </a:r>
             <a:endParaRPr kumimoji="1" lang="en-US" altLang="ja-JP" dirty="0"/>
           </a:p>
+          <a:p>
+            <a:endParaRPr kumimoji="1" lang="en-US" altLang="ja-JP" dirty="0"/>
+          </a:p>
+          <a:p>
+            <a:r>
+              <a:rPr kumimoji="1" lang="ja-JP" altLang="en-US" dirty="0"/>
+              <a:t>今回の手法では画像を特徴抽出器に通して得られる特徴マップの１ピクセル（つまり画像の１パッチ）を中心に３＊３で平均をとったものを最終的な特徴ベクトルとしてバンクへ。これを全てのピクセルに対して行う。そしたらたくさん集まる。</a:t>
+            </a:r>
+            <a:endParaRPr kumimoji="1" lang="en-US" altLang="ja-JP" dirty="0"/>
+          </a:p>
+          <a:p>
+            <a:r>
+              <a:rPr kumimoji="1" lang="ja-JP" altLang="en-US"/>
+              <a:t>さらにこれを違う画像でも行うことでメモリバンクが充実する。</a:t>
+            </a:r>
+            <a:endParaRPr kumimoji="1" lang="en-US" altLang="ja-JP" dirty="0"/>
+          </a:p>
         </p:txBody>
       </p:sp>
       <p:sp>
@@ -3500,6 +3517,76 @@
               <a:rPr kumimoji="1" lang="ja-JP" altLang="en-US" dirty="0"/>
               <a:t>★</a:t>
             </a:r>
+            <a:endParaRPr lang="en-US" altLang="ja-JP" dirty="0"/>
+          </a:p>
+          <a:p>
+            <a:r>
+              <a:rPr lang="ja-JP" altLang="en-US" dirty="0"/>
+              <a:t>中間層を採用した理由は、特徴抽出器の</a:t>
+            </a:r>
+            <a:r>
+              <a:rPr lang="en-US" altLang="ja-JP" dirty="0" err="1"/>
+              <a:t>resnet</a:t>
+            </a:r>
+            <a:r>
+              <a:rPr lang="ja-JP" altLang="en-US" dirty="0"/>
+              <a:t>にあります。</a:t>
+            </a:r>
+            <a:endParaRPr lang="en-US" altLang="ja-JP" dirty="0"/>
+          </a:p>
+          <a:p>
+            <a:r>
+              <a:rPr lang="en-US" altLang="ja-JP" dirty="0"/>
+              <a:t>1</a:t>
+            </a:r>
+            <a:r>
+              <a:rPr lang="ja-JP" altLang="en-US" dirty="0"/>
+              <a:t>つ目は、</a:t>
+            </a:r>
+            <a:r>
+              <a:rPr lang="en-US" altLang="ja-JP" dirty="0" err="1"/>
+              <a:t>resnet</a:t>
+            </a:r>
+            <a:r>
+              <a:rPr lang="ja-JP" altLang="en-US" dirty="0"/>
+              <a:t>は</a:t>
+            </a:r>
+            <a:r>
+              <a:rPr lang="en-US" altLang="ja-JP" dirty="0"/>
+              <a:t>ImageNet</a:t>
+            </a:r>
+            <a:r>
+              <a:rPr lang="ja-JP" altLang="en-US" dirty="0"/>
+              <a:t>で学習したモデルであり、</a:t>
+            </a:r>
+            <a:r>
+              <a:rPr kumimoji="1" lang="ja-JP" altLang="en-US" sz="1200" b="0" i="0" kern="1200" dirty="0">
+                <a:solidFill>
+                  <a:schemeClr val="tx1"/>
+                </a:solidFill>
+                <a:effectLst/>
+                <a:latin typeface="+mn-lt"/>
+                <a:ea typeface="+mn-ea"/>
+                <a:cs typeface="+mn-cs"/>
+              </a:rPr>
+              <a:t>自然画像の</a:t>
+            </a:r>
+            <a:r>
+              <a:rPr lang="ja-JP" altLang="en-US" dirty="0"/>
+              <a:t>様々な特徴に特化していて工業製品用の異常検知としては深い層が有効ではないと考えられるから。</a:t>
+            </a:r>
+            <a:endParaRPr lang="en-US" altLang="ja-JP" dirty="0"/>
+          </a:p>
+          <a:p>
+            <a:r>
+              <a:rPr lang="en-US" altLang="ja-JP" dirty="0"/>
+              <a:t>2</a:t>
+            </a:r>
+            <a:r>
+              <a:rPr lang="ja-JP" altLang="en-US" dirty="0"/>
+              <a:t>つ目は、中間層ならば自然画像に特化する前の汎用的な特徴を捉えていると考えられるからです。</a:t>
+            </a:r>
+            <a:endParaRPr kumimoji="1" lang="ja-JP" altLang="en-US" dirty="0"/>
           </a:p>
         </p:txBody>
       </p:sp>
@@ -3529,7 +3616,7 @@
     </p:spTree>
     <p:extLst>
       <p:ext uri="{BB962C8B-B14F-4D97-AF65-F5344CB8AC3E}">
-        <p14:creationId xmlns:p14="http://schemas.microsoft.com/office/powerpoint/2010/main" val="2912119258"/>
+        <p14:creationId xmlns:p14="http://schemas.microsoft.com/office/powerpoint/2010/main" val="2141966233"/>
       </p:ext>
     </p:extLst>
   </p:cSld>
@@ -3587,76 +3674,6 @@
               <a:rPr kumimoji="1" lang="ja-JP" altLang="en-US" dirty="0"/>
               <a:t>★</a:t>
             </a:r>
-            <a:endParaRPr lang="en-US" altLang="ja-JP" dirty="0"/>
-          </a:p>
-          <a:p>
-            <a:r>
-              <a:rPr lang="ja-JP" altLang="en-US" dirty="0"/>
-              <a:t>中間層を採用した理由は、特徴抽出器の</a:t>
-            </a:r>
-            <a:r>
-              <a:rPr lang="en-US" altLang="ja-JP" dirty="0" err="1"/>
-              <a:t>resnet</a:t>
-            </a:r>
-            <a:r>
-              <a:rPr lang="ja-JP" altLang="en-US" dirty="0"/>
-              <a:t>にあります。</a:t>
-            </a:r>
-            <a:endParaRPr lang="en-US" altLang="ja-JP" dirty="0"/>
-          </a:p>
-          <a:p>
-            <a:r>
-              <a:rPr lang="en-US" altLang="ja-JP" dirty="0"/>
-              <a:t>1</a:t>
-            </a:r>
-            <a:r>
-              <a:rPr lang="ja-JP" altLang="en-US" dirty="0"/>
-              <a:t>つ目は、</a:t>
-            </a:r>
-            <a:r>
-              <a:rPr lang="en-US" altLang="ja-JP" dirty="0" err="1"/>
-              <a:t>resnet</a:t>
-            </a:r>
-            <a:r>
-              <a:rPr lang="ja-JP" altLang="en-US" dirty="0"/>
-              <a:t>は</a:t>
-            </a:r>
-            <a:r>
-              <a:rPr lang="en-US" altLang="ja-JP" dirty="0"/>
-              <a:t>ImageNet</a:t>
-            </a:r>
-            <a:r>
-              <a:rPr lang="ja-JP" altLang="en-US" dirty="0"/>
-              <a:t>で学習したモデルであり、</a:t>
-            </a:r>
-            <a:r>
-              <a:rPr kumimoji="1" lang="ja-JP" altLang="en-US" sz="1200" b="0" i="0" kern="1200" dirty="0">
-                <a:solidFill>
-                  <a:schemeClr val="tx1"/>
-                </a:solidFill>
-                <a:effectLst/>
-                <a:latin typeface="+mn-lt"/>
-                <a:ea typeface="+mn-ea"/>
-                <a:cs typeface="+mn-cs"/>
-              </a:rPr>
-              <a:t>自然画像の</a:t>
-            </a:r>
-            <a:r>
-              <a:rPr lang="ja-JP" altLang="en-US" dirty="0"/>
-              <a:t>様々な特徴に特化していて工業製品用の異常検知としては深い層が有効ではないと考えられるから。</a:t>
-            </a:r>
-            <a:endParaRPr lang="en-US" altLang="ja-JP" dirty="0"/>
-          </a:p>
-          <a:p>
-            <a:r>
-              <a:rPr lang="en-US" altLang="ja-JP" dirty="0"/>
-              <a:t>2</a:t>
-            </a:r>
-            <a:r>
-              <a:rPr lang="ja-JP" altLang="en-US" dirty="0"/>
-              <a:t>つ目は、中間層ならば自然画像に特化する前の汎用的な特徴を捉えていると考えられるからです。</a:t>
-            </a:r>
-            <a:endParaRPr kumimoji="1" lang="ja-JP" altLang="en-US" dirty="0"/>
           </a:p>
         </p:txBody>
       </p:sp>
@@ -3686,7 +3703,7 @@
     </p:spTree>
     <p:extLst>
       <p:ext uri="{BB962C8B-B14F-4D97-AF65-F5344CB8AC3E}">
-        <p14:creationId xmlns:p14="http://schemas.microsoft.com/office/powerpoint/2010/main" val="2141966233"/>
+        <p14:creationId xmlns:p14="http://schemas.microsoft.com/office/powerpoint/2010/main" val="2912119258"/>
       </p:ext>
     </p:extLst>
   </p:cSld>
@@ -3843,7 +3860,7 @@
           <a:p>
             <a:fld id="{8E13C0C7-DE05-4833-8785-D21399826AC3}" type="datetimeFigureOut">
               <a:rPr kumimoji="1" lang="ja-JP" altLang="en-US" smtClean="0"/>
-              <a:t>2025/7/3</a:t>
+              <a:t>2025/7/4</a:t>
             </a:fld>
             <a:endParaRPr kumimoji="1" lang="ja-JP" altLang="en-US"/>
           </a:p>
@@ -4073,7 +4090,7 @@
           <a:p>
             <a:fld id="{8E13C0C7-DE05-4833-8785-D21399826AC3}" type="datetimeFigureOut">
               <a:rPr kumimoji="1" lang="ja-JP" altLang="en-US" smtClean="0"/>
-              <a:t>2025/7/3</a:t>
+              <a:t>2025/7/4</a:t>
             </a:fld>
             <a:endParaRPr kumimoji="1" lang="ja-JP" altLang="en-US"/>
           </a:p>
@@ -4313,7 +4330,7 @@
           <a:p>
             <a:fld id="{8E13C0C7-DE05-4833-8785-D21399826AC3}" type="datetimeFigureOut">
               <a:rPr kumimoji="1" lang="ja-JP" altLang="en-US" smtClean="0"/>
-              <a:t>2025/7/3</a:t>
+              <a:t>2025/7/4</a:t>
             </a:fld>
             <a:endParaRPr kumimoji="1" lang="ja-JP" altLang="en-US"/>
           </a:p>
@@ -5056,7 +5073,7 @@
           <a:p>
             <a:fld id="{8E13C0C7-DE05-4833-8785-D21399826AC3}" type="datetimeFigureOut">
               <a:rPr kumimoji="1" lang="ja-JP" altLang="en-US" smtClean="0"/>
-              <a:t>2025/7/3</a:t>
+              <a:t>2025/7/4</a:t>
             </a:fld>
             <a:endParaRPr kumimoji="1" lang="ja-JP" altLang="en-US"/>
           </a:p>
@@ -5331,7 +5348,7 @@
           <a:p>
             <a:fld id="{8E13C0C7-DE05-4833-8785-D21399826AC3}" type="datetimeFigureOut">
               <a:rPr kumimoji="1" lang="ja-JP" altLang="en-US" smtClean="0"/>
-              <a:t>2025/7/3</a:t>
+              <a:t>2025/7/4</a:t>
             </a:fld>
             <a:endParaRPr kumimoji="1" lang="ja-JP" altLang="en-US"/>
           </a:p>
@@ -5660,7 +5677,7 @@
           <a:p>
             <a:fld id="{8E13C0C7-DE05-4833-8785-D21399826AC3}" type="datetimeFigureOut">
               <a:rPr kumimoji="1" lang="ja-JP" altLang="en-US" smtClean="0"/>
-              <a:t>2025/7/3</a:t>
+              <a:t>2025/7/4</a:t>
             </a:fld>
             <a:endParaRPr kumimoji="1" lang="ja-JP" altLang="en-US"/>
           </a:p>
@@ -6136,7 +6153,7 @@
           <a:p>
             <a:fld id="{8E13C0C7-DE05-4833-8785-D21399826AC3}" type="datetimeFigureOut">
               <a:rPr kumimoji="1" lang="ja-JP" altLang="en-US" smtClean="0"/>
-              <a:t>2025/7/3</a:t>
+              <a:t>2025/7/4</a:t>
             </a:fld>
             <a:endParaRPr kumimoji="1" lang="ja-JP" altLang="en-US"/>
           </a:p>
@@ -6277,7 +6294,7 @@
           <a:p>
             <a:fld id="{8E13C0C7-DE05-4833-8785-D21399826AC3}" type="datetimeFigureOut">
               <a:rPr kumimoji="1" lang="ja-JP" altLang="en-US" smtClean="0"/>
-              <a:t>2025/7/3</a:t>
+              <a:t>2025/7/4</a:t>
             </a:fld>
             <a:endParaRPr kumimoji="1" lang="ja-JP" altLang="en-US"/>
           </a:p>
@@ -6390,7 +6407,7 @@
           <a:p>
             <a:fld id="{8E13C0C7-DE05-4833-8785-D21399826AC3}" type="datetimeFigureOut">
               <a:rPr kumimoji="1" lang="ja-JP" altLang="en-US" smtClean="0"/>
-              <a:t>2025/7/3</a:t>
+              <a:t>2025/7/4</a:t>
             </a:fld>
             <a:endParaRPr kumimoji="1" lang="ja-JP" altLang="en-US"/>
           </a:p>
@@ -6733,7 +6750,7 @@
           <a:p>
             <a:fld id="{8E13C0C7-DE05-4833-8785-D21399826AC3}" type="datetimeFigureOut">
               <a:rPr kumimoji="1" lang="ja-JP" altLang="en-US" smtClean="0"/>
-              <a:t>2025/7/3</a:t>
+              <a:t>2025/7/4</a:t>
             </a:fld>
             <a:endParaRPr kumimoji="1" lang="ja-JP" altLang="en-US"/>
           </a:p>
@@ -7021,7 +7038,7 @@
           <a:p>
             <a:fld id="{8E13C0C7-DE05-4833-8785-D21399826AC3}" type="datetimeFigureOut">
               <a:rPr kumimoji="1" lang="ja-JP" altLang="en-US" smtClean="0"/>
-              <a:t>2025/7/3</a:t>
+              <a:t>2025/7/4</a:t>
             </a:fld>
             <a:endParaRPr kumimoji="1" lang="ja-JP" altLang="en-US"/>
           </a:p>
@@ -7294,7 +7311,7 @@
           <a:p>
             <a:fld id="{8E13C0C7-DE05-4833-8785-D21399826AC3}" type="datetimeFigureOut">
               <a:rPr kumimoji="1" lang="ja-JP" altLang="en-US" smtClean="0"/>
-              <a:t>2025/7/3</a:t>
+              <a:t>2025/7/4</a:t>
             </a:fld>
             <a:endParaRPr kumimoji="1" lang="ja-JP" altLang="en-US"/>
           </a:p>
@@ -8114,7 +8131,7 @@
           <a:p>
             <a:r>
               <a:rPr lang="ja-JP" altLang="en-US" sz="4000" dirty="0"/>
-              <a:t>損失関数</a:t>
+              <a:t>損失関数　ていうか学習過程</a:t>
             </a:r>
             <a:endParaRPr lang="en-JP" sz="2800" dirty="0"/>
           </a:p>
@@ -8181,13 +8198,13 @@
   <p:clrMapOvr>
     <a:masterClrMapping/>
   </p:clrMapOvr>
-  <mc:AlternateContent xmlns:mc="http://schemas.openxmlformats.org/markup-compatibility/2006">
-    <mc:Choice xmlns:p14="http://schemas.microsoft.com/office/powerpoint/2010/main" Requires="p14">
+  <mc:AlternateContent xmlns:mc="http://schemas.openxmlformats.org/markup-compatibility/2006" xmlns:p14="http://schemas.microsoft.com/office/powerpoint/2010/main">
+    <mc:Choice Requires="p14">
       <p:transition p14:dur="180">
         <p:fade/>
       </p:transition>
     </mc:Choice>
-    <mc:Fallback>
+    <mc:Fallback xmlns="">
       <p:transition>
         <p:fade/>
       </p:transition>
@@ -8703,13 +8720,13 @@
   <p:clrMapOvr>
     <a:masterClrMapping/>
   </p:clrMapOvr>
-  <mc:AlternateContent xmlns:mc="http://schemas.openxmlformats.org/markup-compatibility/2006">
-    <mc:Choice xmlns:p14="http://schemas.microsoft.com/office/powerpoint/2010/main" Requires="p14">
+  <mc:AlternateContent xmlns:mc="http://schemas.openxmlformats.org/markup-compatibility/2006" xmlns:p14="http://schemas.microsoft.com/office/powerpoint/2010/main">
+    <mc:Choice Requires="p14">
       <p:transition p14:dur="180">
         <p:fade/>
       </p:transition>
     </mc:Choice>
-    <mc:Fallback>
+    <mc:Fallback xmlns="">
       <p:transition>
         <p:fade/>
       </p:transition>
@@ -8942,13 +8959,13 @@
   <p:clrMapOvr>
     <a:masterClrMapping/>
   </p:clrMapOvr>
-  <mc:AlternateContent xmlns:mc="http://schemas.openxmlformats.org/markup-compatibility/2006">
-    <mc:Choice xmlns:p14="http://schemas.microsoft.com/office/powerpoint/2010/main" Requires="p14">
+  <mc:AlternateContent xmlns:mc="http://schemas.openxmlformats.org/markup-compatibility/2006" xmlns:p14="http://schemas.microsoft.com/office/powerpoint/2010/main">
+    <mc:Choice Requires="p14">
       <p:transition p14:dur="180">
         <p:fade/>
       </p:transition>
     </mc:Choice>
-    <mc:Fallback>
+    <mc:Fallback xmlns="">
       <p:transition>
         <p:fade/>
       </p:transition>
@@ -10311,13 +10328,13 @@
   <p:clrMapOvr>
     <a:masterClrMapping/>
   </p:clrMapOvr>
-  <mc:AlternateContent xmlns:mc="http://schemas.openxmlformats.org/markup-compatibility/2006">
-    <mc:Choice xmlns:p14="http://schemas.microsoft.com/office/powerpoint/2010/main" Requires="p14">
+  <mc:AlternateContent xmlns:mc="http://schemas.openxmlformats.org/markup-compatibility/2006" xmlns:p14="http://schemas.microsoft.com/office/powerpoint/2010/main">
+    <mc:Choice Requires="p14">
       <p:transition p14:dur="180">
         <p:fade/>
       </p:transition>
     </mc:Choice>
-    <mc:Fallback>
+    <mc:Fallback xmlns="">
       <p:transition>
         <p:fade/>
       </p:transition>
@@ -11069,13 +11086,13 @@
   <p:clrMapOvr>
     <a:masterClrMapping/>
   </p:clrMapOvr>
-  <mc:AlternateContent xmlns:mc="http://schemas.openxmlformats.org/markup-compatibility/2006">
-    <mc:Choice xmlns:p14="http://schemas.microsoft.com/office/powerpoint/2010/main" Requires="p14">
+  <mc:AlternateContent xmlns:mc="http://schemas.openxmlformats.org/markup-compatibility/2006" xmlns:p14="http://schemas.microsoft.com/office/powerpoint/2010/main">
+    <mc:Choice Requires="p14">
       <p:transition p14:dur="180">
         <p:fade/>
       </p:transition>
     </mc:Choice>
-    <mc:Fallback>
+    <mc:Fallback xmlns="">
       <p:transition>
         <p:fade/>
       </p:transition>
@@ -11271,13 +11288,13 @@
   <p:clrMapOvr>
     <a:masterClrMapping/>
   </p:clrMapOvr>
-  <mc:AlternateContent xmlns:mc="http://schemas.openxmlformats.org/markup-compatibility/2006">
-    <mc:Choice xmlns:p14="http://schemas.microsoft.com/office/powerpoint/2010/main" Requires="p14">
+  <mc:AlternateContent xmlns:mc="http://schemas.openxmlformats.org/markup-compatibility/2006" xmlns:p14="http://schemas.microsoft.com/office/powerpoint/2010/main">
+    <mc:Choice Requires="p14">
       <p:transition p14:dur="180">
         <p:fade/>
       </p:transition>
     </mc:Choice>
-    <mc:Fallback>
+    <mc:Fallback xmlns="">
       <p:transition>
         <p:fade/>
       </p:transition>
@@ -11968,13 +11985,13 @@
   <p:clrMapOvr>
     <a:masterClrMapping/>
   </p:clrMapOvr>
-  <mc:AlternateContent xmlns:mc="http://schemas.openxmlformats.org/markup-compatibility/2006">
-    <mc:Choice xmlns:p14="http://schemas.microsoft.com/office/powerpoint/2010/main" Requires="p14">
+  <mc:AlternateContent xmlns:mc="http://schemas.openxmlformats.org/markup-compatibility/2006" xmlns:p14="http://schemas.microsoft.com/office/powerpoint/2010/main">
+    <mc:Choice Requires="p14">
       <p:transition p14:dur="180">
         <p:fade/>
       </p:transition>
     </mc:Choice>
-    <mc:Fallback>
+    <mc:Fallback xmlns="">
       <p:transition>
         <p:fade/>
       </p:transition>
@@ -12040,13 +12057,13 @@
   <p:clrMapOvr>
     <a:masterClrMapping/>
   </p:clrMapOvr>
-  <mc:AlternateContent xmlns:mc="http://schemas.openxmlformats.org/markup-compatibility/2006">
-    <mc:Choice xmlns:p14="http://schemas.microsoft.com/office/powerpoint/2010/main" Requires="p14">
+  <mc:AlternateContent xmlns:mc="http://schemas.openxmlformats.org/markup-compatibility/2006" xmlns:p14="http://schemas.microsoft.com/office/powerpoint/2010/main">
+    <mc:Choice Requires="p14">
       <p:transition p14:dur="180">
         <p:fade/>
       </p:transition>
     </mc:Choice>
-    <mc:Fallback>
+    <mc:Fallback xmlns="">
       <p:transition>
         <p:fade/>
       </p:transition>
@@ -12209,13 +12226,13 @@
   <p:clrMapOvr>
     <a:masterClrMapping/>
   </p:clrMapOvr>
-  <mc:AlternateContent xmlns:mc="http://schemas.openxmlformats.org/markup-compatibility/2006">
-    <mc:Choice xmlns:p14="http://schemas.microsoft.com/office/powerpoint/2010/main" Requires="p14">
+  <mc:AlternateContent xmlns:mc="http://schemas.openxmlformats.org/markup-compatibility/2006" xmlns:p14="http://schemas.microsoft.com/office/powerpoint/2010/main">
+    <mc:Choice Requires="p14">
       <p:transition p14:dur="180">
         <p:fade/>
       </p:transition>
     </mc:Choice>
-    <mc:Fallback>
+    <mc:Fallback xmlns="">
       <p:transition>
         <p:fade/>
       </p:transition>
@@ -13050,13 +13067,13 @@
   <p:clrMapOvr>
     <a:masterClrMapping/>
   </p:clrMapOvr>
-  <mc:AlternateContent xmlns:mc="http://schemas.openxmlformats.org/markup-compatibility/2006">
-    <mc:Choice xmlns:p14="http://schemas.microsoft.com/office/powerpoint/2010/main" Requires="p14">
+  <mc:AlternateContent xmlns:mc="http://schemas.openxmlformats.org/markup-compatibility/2006" xmlns:p14="http://schemas.microsoft.com/office/powerpoint/2010/main">
+    <mc:Choice Requires="p14">
       <p:transition p14:dur="180">
         <p:fade/>
       </p:transition>
     </mc:Choice>
-    <mc:Fallback>
+    <mc:Fallback xmlns="">
       <p:transition>
         <p:fade/>
       </p:transition>
@@ -13709,13 +13726,13 @@
   <p:clrMapOvr>
     <a:masterClrMapping/>
   </p:clrMapOvr>
-  <mc:AlternateContent xmlns:mc="http://schemas.openxmlformats.org/markup-compatibility/2006">
-    <mc:Choice xmlns:p14="http://schemas.microsoft.com/office/powerpoint/2010/main" Requires="p14">
+  <mc:AlternateContent xmlns:mc="http://schemas.openxmlformats.org/markup-compatibility/2006" xmlns:p14="http://schemas.microsoft.com/office/powerpoint/2010/main">
+    <mc:Choice Requires="p14">
       <p:transition p14:dur="180">
         <p:fade/>
       </p:transition>
     </mc:Choice>
-    <mc:Fallback>
+    <mc:Fallback xmlns="">
       <p:transition>
         <p:fade/>
       </p:transition>
@@ -13968,7 +13985,7 @@
           <p:cNvPr id="2" name="TextBox 3">
             <a:extLst>
               <a:ext uri="{FF2B5EF4-FFF2-40B4-BE49-F238E27FC236}">
-                <a16:creationId xmlns:a16="http://schemas.microsoft.com/office/drawing/2014/main" id="{60587D40-33AC-499E-83EF-A0A8BDD75480}"/>
+                <a16:creationId xmlns:a16="http://schemas.microsoft.com/office/drawing/2014/main" id="{93DDC998-C8A7-4865-9D77-4643A2FF458C}"/>
               </a:ext>
             </a:extLst>
           </p:cNvPr>
@@ -13993,7 +14010,7 @@
           <a:p>
             <a:r>
               <a:rPr lang="ja-JP" altLang="en-US" sz="4000" dirty="0"/>
-              <a:t>コアセット・サブサンプリング</a:t>
+              <a:t>中間層の採用</a:t>
             </a:r>
             <a:endParaRPr lang="en-JP" sz="4000" dirty="0"/>
           </a:p>
@@ -14001,10 +14018,10 @@
       </p:sp>
       <p:pic>
         <p:nvPicPr>
-          <p:cNvPr id="4" name="図 3">
-            <a:extLst>
-              <a:ext uri="{FF2B5EF4-FFF2-40B4-BE49-F238E27FC236}">
-                <a16:creationId xmlns:a16="http://schemas.microsoft.com/office/drawing/2014/main" id="{B3EFFEDA-BCBA-4B07-81F3-20532E5C1C27}"/>
+          <p:cNvPr id="3" name="図 2">
+            <a:extLst>
+              <a:ext uri="{FF2B5EF4-FFF2-40B4-BE49-F238E27FC236}">
+                <a16:creationId xmlns:a16="http://schemas.microsoft.com/office/drawing/2014/main" id="{58845B87-6A37-414B-88ED-B7DBFCF46CF6}"/>
               </a:ext>
             </a:extLst>
           </p:cNvPr>
@@ -14021,8 +14038,8 @@
         </p:blipFill>
         <p:spPr>
           <a:xfrm>
-            <a:off x="7466941" y="1824129"/>
-            <a:ext cx="4725059" cy="4096322"/>
+            <a:off x="1249235" y="3969533"/>
+            <a:ext cx="3258005" cy="1876687"/>
           </a:xfrm>
           <a:prstGeom prst="rect">
             <a:avLst/>
@@ -14031,10 +14048,47 @@
       </p:pic>
       <p:sp>
         <p:nvSpPr>
+          <p:cNvPr id="4" name="正方形/長方形 3">
+            <a:extLst>
+              <a:ext uri="{FF2B5EF4-FFF2-40B4-BE49-F238E27FC236}">
+                <a16:creationId xmlns:a16="http://schemas.microsoft.com/office/drawing/2014/main" id="{9579F05A-8CC1-404A-AA01-611959C33C04}"/>
+              </a:ext>
+            </a:extLst>
+          </p:cNvPr>
+          <p:cNvSpPr/>
+          <p:nvPr/>
+        </p:nvSpPr>
+        <p:spPr>
+          <a:xfrm>
+            <a:off x="3461091" y="5924720"/>
+            <a:ext cx="1328334" cy="215391"/>
+          </a:xfrm>
+          <a:prstGeom prst="rect">
+            <a:avLst/>
+          </a:prstGeom>
+        </p:spPr>
+        <p:txBody>
+          <a:bodyPr wrap="square">
+            <a:spAutoFit/>
+          </a:bodyPr>
+          <a:lstStyle/>
+          <a:p>
+            <a:r>
+              <a:rPr lang="en-US" altLang="ja-JP" sz="800" dirty="0">
+                <a:hlinkClick r:id="rId4"/>
+              </a:rPr>
+              <a:t>https://x.gd/3XSdz</a:t>
+            </a:r>
+            <a:endParaRPr lang="en-US" altLang="ja-JP" sz="800" dirty="0"/>
+          </a:p>
+        </p:txBody>
+      </p:sp>
+      <p:sp>
+        <p:nvSpPr>
           <p:cNvPr id="5" name="テキスト ボックス 4">
             <a:extLst>
               <a:ext uri="{FF2B5EF4-FFF2-40B4-BE49-F238E27FC236}">
-                <a16:creationId xmlns:a16="http://schemas.microsoft.com/office/drawing/2014/main" id="{A74C89F1-6EE9-4406-894A-B64D47753166}"/>
+                <a16:creationId xmlns:a16="http://schemas.microsoft.com/office/drawing/2014/main" id="{ABFC77E7-B912-4AC8-8927-2771E150A618}"/>
               </a:ext>
             </a:extLst>
           </p:cNvPr>
@@ -14043,8 +14097,8 @@
         </p:nvSpPr>
         <p:spPr>
           <a:xfrm>
-            <a:off x="339524" y="1582340"/>
-            <a:ext cx="7127417" cy="3693319"/>
+            <a:off x="1308882" y="6147157"/>
+            <a:ext cx="3137570" cy="369332"/>
           </a:xfrm>
           <a:prstGeom prst="rect">
             <a:avLst/>
@@ -14057,197 +14111,131 @@
           </a:bodyPr>
           <a:lstStyle/>
           <a:p>
+            <a:pPr algn="ctr"/>
+            <a:r>
+              <a:rPr lang="en-US" altLang="ja-JP" dirty="0"/>
+              <a:t>ImageNet</a:t>
+            </a:r>
             <a:r>
               <a:rPr lang="ja-JP" altLang="en-US" dirty="0"/>
-              <a:t>空集合に対する </a:t>
-            </a:r>
-            <a:r>
-              <a:rPr lang="en-US" altLang="ja-JP" dirty="0"/>
-              <a:t>min </a:t>
+              <a:t>の画像（抜粋）</a:t>
+            </a:r>
+            <a:endParaRPr kumimoji="1" lang="ja-JP" altLang="en-US" dirty="0"/>
+          </a:p>
+        </p:txBody>
+      </p:sp>
+      <p:pic>
+        <p:nvPicPr>
+          <p:cNvPr id="6" name="図 5">
+            <a:extLst>
+              <a:ext uri="{FF2B5EF4-FFF2-40B4-BE49-F238E27FC236}">
+                <a16:creationId xmlns:a16="http://schemas.microsoft.com/office/drawing/2014/main" id="{31389738-6FD7-44E9-82C5-FD4F7063647D}"/>
+              </a:ext>
+            </a:extLst>
+          </p:cNvPr>
+          <p:cNvPicPr>
+            <a:picLocks noChangeAspect="1"/>
+          </p:cNvPicPr>
+          <p:nvPr/>
+        </p:nvPicPr>
+        <p:blipFill>
+          <a:blip r:embed="rId5"/>
+          <a:stretch>
+            <a:fillRect/>
+          </a:stretch>
+        </p:blipFill>
+        <p:spPr>
+          <a:xfrm>
+            <a:off x="5653758" y="4239565"/>
+            <a:ext cx="5597012" cy="1345019"/>
+          </a:xfrm>
+          <a:prstGeom prst="rect">
+            <a:avLst/>
+          </a:prstGeom>
+        </p:spPr>
+      </p:pic>
+      <p:sp>
+        <p:nvSpPr>
+          <p:cNvPr id="7" name="テキスト ボックス 6">
+            <a:extLst>
+              <a:ext uri="{FF2B5EF4-FFF2-40B4-BE49-F238E27FC236}">
+                <a16:creationId xmlns:a16="http://schemas.microsoft.com/office/drawing/2014/main" id="{A79108FE-EA45-44F9-AE4C-311E8C02FE95}"/>
+              </a:ext>
+            </a:extLst>
+          </p:cNvPr>
+          <p:cNvSpPr txBox="1"/>
+          <p:nvPr/>
+        </p:nvSpPr>
+        <p:spPr>
+          <a:xfrm>
+            <a:off x="6883479" y="6140111"/>
+            <a:ext cx="3137570" cy="369332"/>
+          </a:xfrm>
+          <a:prstGeom prst="rect">
+            <a:avLst/>
+          </a:prstGeom>
+          <a:noFill/>
+        </p:spPr>
+        <p:txBody>
+          <a:bodyPr wrap="square" rtlCol="0">
+            <a:spAutoFit/>
+          </a:bodyPr>
+          <a:lstStyle/>
+          <a:p>
+            <a:pPr algn="ctr"/>
+            <a:r>
+              <a:rPr lang="en-US" altLang="ja-JP" dirty="0" err="1"/>
+              <a:t>MVTecAD</a:t>
             </a:r>
             <a:r>
               <a:rPr lang="ja-JP" altLang="en-US" dirty="0"/>
-              <a:t>操作は、正の無限大 </a:t>
-            </a:r>
-            <a:r>
-              <a:rPr lang="en-US" altLang="ja-JP" dirty="0"/>
-              <a:t>(+∞) </a:t>
-            </a:r>
-            <a:r>
-              <a:rPr lang="ja-JP" altLang="en-US" dirty="0"/>
-              <a:t>を返すと定義。</a:t>
-            </a:r>
-            <a:endParaRPr lang="en-US" altLang="ja-JP" dirty="0"/>
-          </a:p>
-          <a:p>
-            <a:r>
-              <a:rPr lang="ja-JP" altLang="en-US" dirty="0"/>
-              <a:t>最初のステップ </a:t>
-            </a:r>
-            <a:r>
-              <a:rPr lang="en-US" altLang="ja-JP" dirty="0"/>
-              <a:t>(</a:t>
-            </a:r>
-            <a:r>
-              <a:rPr lang="en-US" altLang="ja-JP" dirty="0" err="1"/>
-              <a:t>i</a:t>
-            </a:r>
-            <a:r>
-              <a:rPr lang="en-US" altLang="ja-JP" dirty="0"/>
-              <a:t>=0)</a:t>
-            </a:r>
-          </a:p>
-          <a:p>
-            <a:endParaRPr lang="en-US" altLang="ja-JP" dirty="0"/>
-          </a:p>
-          <a:p>
-            <a:r>
-              <a:rPr lang="ja-JP" altLang="en-US" dirty="0"/>
-              <a:t>内側の </a:t>
-            </a:r>
-            <a:r>
-              <a:rPr lang="en-US" altLang="ja-JP" dirty="0"/>
-              <a:t>min: </a:t>
-            </a:r>
-          </a:p>
-          <a:p>
-            <a:pPr lvl="1"/>
-            <a:r>
-              <a:rPr lang="en-US" altLang="ja-JP" dirty="0"/>
-              <a:t>Mc </a:t>
-            </a:r>
-            <a:r>
-              <a:rPr lang="ja-JP" altLang="en-US" dirty="0"/>
-              <a:t>が空なので、全ての </a:t>
-            </a:r>
-            <a:r>
-              <a:rPr lang="en-US" altLang="ja-JP" dirty="0"/>
-              <a:t>m </a:t>
-            </a:r>
-            <a:r>
-              <a:rPr lang="ja-JP" altLang="en-US" dirty="0"/>
-              <a:t>に対して </a:t>
-            </a:r>
-            <a:r>
-              <a:rPr lang="en-US" altLang="ja-JP" dirty="0"/>
-              <a:t>min_{n \in Mc} ||...|| </a:t>
-            </a:r>
-            <a:r>
-              <a:rPr lang="ja-JP" altLang="en-US" dirty="0"/>
-              <a:t>は </a:t>
-            </a:r>
-            <a:r>
-              <a:rPr lang="en-US" altLang="ja-JP" dirty="0"/>
-              <a:t>+∞ </a:t>
-            </a:r>
-            <a:r>
-              <a:rPr lang="ja-JP" altLang="en-US" dirty="0"/>
-              <a:t>になる。</a:t>
-            </a:r>
-          </a:p>
-          <a:p>
-            <a:r>
-              <a:rPr lang="ja-JP" altLang="en-US" dirty="0"/>
-              <a:t>外側の </a:t>
-            </a:r>
-            <a:r>
-              <a:rPr lang="en-US" altLang="ja-JP" dirty="0" err="1"/>
-              <a:t>arg</a:t>
-            </a:r>
-            <a:r>
-              <a:rPr lang="en-US" altLang="ja-JP" dirty="0"/>
-              <a:t> max: </a:t>
-            </a:r>
-          </a:p>
-          <a:p>
-            <a:pPr lvl="1"/>
-            <a:r>
-              <a:rPr lang="en-US" altLang="ja-JP" dirty="0" err="1"/>
-              <a:t>arg</a:t>
-            </a:r>
-            <a:r>
-              <a:rPr lang="en-US" altLang="ja-JP" dirty="0"/>
-              <a:t> max_{m \in M-Mc} (+∞)</a:t>
-            </a:r>
-          </a:p>
-          <a:p>
-            <a:pPr lvl="1"/>
-            <a:r>
-              <a:rPr lang="ja-JP" altLang="en-US" dirty="0"/>
-              <a:t>全ての </a:t>
-            </a:r>
-            <a:r>
-              <a:rPr lang="en-US" altLang="ja-JP" dirty="0"/>
-              <a:t>m </a:t>
-            </a:r>
-            <a:r>
-              <a:rPr lang="ja-JP" altLang="en-US" dirty="0"/>
-              <a:t>に対して </a:t>
-            </a:r>
-            <a:r>
-              <a:rPr lang="en-US" altLang="ja-JP" dirty="0"/>
-              <a:t>min </a:t>
-            </a:r>
-            <a:r>
-              <a:rPr lang="ja-JP" altLang="en-US" dirty="0"/>
-              <a:t>の結果が </a:t>
-            </a:r>
-            <a:r>
-              <a:rPr lang="en-US" altLang="ja-JP" dirty="0"/>
-              <a:t>+∞ </a:t>
-            </a:r>
-            <a:r>
-              <a:rPr lang="ja-JP" altLang="en-US" dirty="0"/>
-              <a:t>となり、差がない。</a:t>
-            </a:r>
-          </a:p>
-          <a:p>
-            <a:pPr lvl="1"/>
-            <a:r>
-              <a:rPr lang="ja-JP" altLang="en-US" dirty="0"/>
-              <a:t>この場合、アルゴリズムは </a:t>
-            </a:r>
-            <a:r>
-              <a:rPr lang="en-US" altLang="ja-JP" dirty="0"/>
-              <a:t>M </a:t>
-            </a:r>
-            <a:r>
-              <a:rPr lang="ja-JP" altLang="en-US" dirty="0"/>
-              <a:t>の中からランダムに</a:t>
-            </a:r>
-            <a:r>
-              <a:rPr lang="en-US" altLang="ja-JP" dirty="0"/>
-              <a:t>1</a:t>
-            </a:r>
-            <a:r>
-              <a:rPr lang="ja-JP" altLang="en-US" dirty="0" err="1"/>
-              <a:t>つの</a:t>
-            </a:r>
-            <a:r>
-              <a:rPr lang="ja-JP" altLang="en-US" dirty="0"/>
-              <a:t>点 </a:t>
-            </a:r>
-            <a:r>
-              <a:rPr lang="en-US" altLang="ja-JP" dirty="0"/>
-              <a:t>m_0 </a:t>
-            </a:r>
-            <a:r>
-              <a:rPr lang="ja-JP" altLang="en-US" dirty="0"/>
-              <a:t>を選び最初の代表点とする。</a:t>
-            </a:r>
-          </a:p>
-          <a:p>
-            <a:endParaRPr lang="en-US" altLang="ja-JP" dirty="0"/>
-          </a:p>
-          <a:p>
+              <a:t>の画像（抜粋）</a:t>
+            </a:r>
             <a:endParaRPr kumimoji="1" lang="ja-JP" altLang="en-US" dirty="0"/>
+          </a:p>
+        </p:txBody>
+      </p:sp>
+      <p:sp>
+        <p:nvSpPr>
+          <p:cNvPr id="13" name="正方形/長方形 12">
+            <a:extLst>
+              <a:ext uri="{FF2B5EF4-FFF2-40B4-BE49-F238E27FC236}">
+                <a16:creationId xmlns:a16="http://schemas.microsoft.com/office/drawing/2014/main" id="{12AF46D4-BC75-4C4C-85ED-68B0F8690A90}"/>
+              </a:ext>
+            </a:extLst>
+          </p:cNvPr>
+          <p:cNvSpPr/>
+          <p:nvPr/>
+        </p:nvSpPr>
+        <p:spPr>
+          <a:xfrm>
+            <a:off x="8882038" y="5931766"/>
+            <a:ext cx="2278022" cy="215391"/>
+          </a:xfrm>
+          <a:prstGeom prst="rect">
+            <a:avLst/>
+          </a:prstGeom>
+        </p:spPr>
+        <p:txBody>
+          <a:bodyPr wrap="square">
+            <a:spAutoFit/>
+          </a:bodyPr>
+          <a:lstStyle/>
+          <a:p>
+            <a:r>
+              <a:rPr lang="en-US" altLang="ja-JP" sz="800" dirty="0">
+                <a:hlinkClick r:id="rId6"/>
+              </a:rPr>
+              <a:t>https://hoya012.github.io/blog/MVTec-AD/</a:t>
+            </a:r>
+            <a:endParaRPr lang="en-US" altLang="ja-JP" sz="800" dirty="0"/>
           </a:p>
         </p:txBody>
       </p:sp>
     </p:spTree>
     <p:extLst>
       <p:ext uri="{BB962C8B-B14F-4D97-AF65-F5344CB8AC3E}">
-        <p14:creationId xmlns:p14="http://schemas.microsoft.com/office/powerpoint/2010/main" val="3218889256"/>
+        <p14:creationId xmlns:p14="http://schemas.microsoft.com/office/powerpoint/2010/main" val="1368638719"/>
       </p:ext>
     </p:extLst>
   </p:cSld>
@@ -14291,7 +14279,7 @@
           <p:cNvPr id="2" name="TextBox 3">
             <a:extLst>
               <a:ext uri="{FF2B5EF4-FFF2-40B4-BE49-F238E27FC236}">
-                <a16:creationId xmlns:a16="http://schemas.microsoft.com/office/drawing/2014/main" id="{93DDC998-C8A7-4865-9D77-4643A2FF458C}"/>
+                <a16:creationId xmlns:a16="http://schemas.microsoft.com/office/drawing/2014/main" id="{60587D40-33AC-499E-83EF-A0A8BDD75480}"/>
               </a:ext>
             </a:extLst>
           </p:cNvPr>
@@ -14316,7 +14304,7 @@
           <a:p>
             <a:r>
               <a:rPr lang="ja-JP" altLang="en-US" sz="4000" dirty="0"/>
-              <a:t>中間層の採用</a:t>
+              <a:t>コアセット・サブサンプリング</a:t>
             </a:r>
             <a:endParaRPr lang="en-JP" sz="4000" dirty="0"/>
           </a:p>
@@ -14324,10 +14312,10 @@
       </p:sp>
       <p:pic>
         <p:nvPicPr>
-          <p:cNvPr id="3" name="図 2">
-            <a:extLst>
-              <a:ext uri="{FF2B5EF4-FFF2-40B4-BE49-F238E27FC236}">
-                <a16:creationId xmlns:a16="http://schemas.microsoft.com/office/drawing/2014/main" id="{58845B87-6A37-414B-88ED-B7DBFCF46CF6}"/>
+          <p:cNvPr id="4" name="図 3">
+            <a:extLst>
+              <a:ext uri="{FF2B5EF4-FFF2-40B4-BE49-F238E27FC236}">
+                <a16:creationId xmlns:a16="http://schemas.microsoft.com/office/drawing/2014/main" id="{B3EFFEDA-BCBA-4B07-81F3-20532E5C1C27}"/>
               </a:ext>
             </a:extLst>
           </p:cNvPr>
@@ -14344,8 +14332,8 @@
         </p:blipFill>
         <p:spPr>
           <a:xfrm>
-            <a:off x="1249235" y="3969533"/>
-            <a:ext cx="3258005" cy="1876687"/>
+            <a:off x="7466941" y="1824129"/>
+            <a:ext cx="4725059" cy="4096322"/>
           </a:xfrm>
           <a:prstGeom prst="rect">
             <a:avLst/>
@@ -14354,57 +14342,20 @@
       </p:pic>
       <p:sp>
         <p:nvSpPr>
-          <p:cNvPr id="4" name="正方形/長方形 3">
-            <a:extLst>
-              <a:ext uri="{FF2B5EF4-FFF2-40B4-BE49-F238E27FC236}">
-                <a16:creationId xmlns:a16="http://schemas.microsoft.com/office/drawing/2014/main" id="{9579F05A-8CC1-404A-AA01-611959C33C04}"/>
-              </a:ext>
-            </a:extLst>
-          </p:cNvPr>
-          <p:cNvSpPr/>
+          <p:cNvPr id="5" name="テキスト ボックス 4">
+            <a:extLst>
+              <a:ext uri="{FF2B5EF4-FFF2-40B4-BE49-F238E27FC236}">
+                <a16:creationId xmlns:a16="http://schemas.microsoft.com/office/drawing/2014/main" id="{A74C89F1-6EE9-4406-894A-B64D47753166}"/>
+              </a:ext>
+            </a:extLst>
+          </p:cNvPr>
+          <p:cNvSpPr txBox="1"/>
           <p:nvPr/>
         </p:nvSpPr>
         <p:spPr>
           <a:xfrm>
-            <a:off x="3461091" y="5924720"/>
-            <a:ext cx="1328334" cy="215391"/>
-          </a:xfrm>
-          <a:prstGeom prst="rect">
-            <a:avLst/>
-          </a:prstGeom>
-        </p:spPr>
-        <p:txBody>
-          <a:bodyPr wrap="square">
-            <a:spAutoFit/>
-          </a:bodyPr>
-          <a:lstStyle/>
-          <a:p>
-            <a:r>
-              <a:rPr lang="en-US" altLang="ja-JP" sz="800" dirty="0">
-                <a:hlinkClick r:id="rId4"/>
-              </a:rPr>
-              <a:t>https://x.gd/3XSdz</a:t>
-            </a:r>
-            <a:endParaRPr lang="en-US" altLang="ja-JP" sz="800" dirty="0"/>
-          </a:p>
-        </p:txBody>
-      </p:sp>
-      <p:sp>
-        <p:nvSpPr>
-          <p:cNvPr id="5" name="テキスト ボックス 4">
-            <a:extLst>
-              <a:ext uri="{FF2B5EF4-FFF2-40B4-BE49-F238E27FC236}">
-                <a16:creationId xmlns:a16="http://schemas.microsoft.com/office/drawing/2014/main" id="{ABFC77E7-B912-4AC8-8927-2771E150A618}"/>
-              </a:ext>
-            </a:extLst>
-          </p:cNvPr>
-          <p:cNvSpPr txBox="1"/>
-          <p:nvPr/>
-        </p:nvSpPr>
-        <p:spPr>
-          <a:xfrm>
-            <a:off x="1308882" y="6147157"/>
-            <a:ext cx="3137570" cy="369332"/>
+            <a:off x="339524" y="1582340"/>
+            <a:ext cx="7127417" cy="3693319"/>
           </a:xfrm>
           <a:prstGeom prst="rect">
             <a:avLst/>
@@ -14417,131 +14368,197 @@
           </a:bodyPr>
           <a:lstStyle/>
           <a:p>
-            <a:pPr algn="ctr"/>
+            <a:r>
+              <a:rPr lang="ja-JP" altLang="en-US" dirty="0"/>
+              <a:t>空集合に対する </a:t>
+            </a:r>
             <a:r>
               <a:rPr lang="en-US" altLang="ja-JP" dirty="0"/>
-              <a:t>ImageNet</a:t>
+              <a:t>min </a:t>
             </a:r>
             <a:r>
               <a:rPr lang="ja-JP" altLang="en-US" dirty="0"/>
-              <a:t>の画像（抜粋）</a:t>
-            </a:r>
+              <a:t>操作は、正の無限大 </a:t>
+            </a:r>
+            <a:r>
+              <a:rPr lang="en-US" altLang="ja-JP" dirty="0"/>
+              <a:t>(+∞) </a:t>
+            </a:r>
+            <a:r>
+              <a:rPr lang="ja-JP" altLang="en-US" dirty="0"/>
+              <a:t>を返すと定義。</a:t>
+            </a:r>
+            <a:endParaRPr lang="en-US" altLang="ja-JP" dirty="0"/>
+          </a:p>
+          <a:p>
+            <a:r>
+              <a:rPr lang="ja-JP" altLang="en-US" dirty="0"/>
+              <a:t>最初のステップ </a:t>
+            </a:r>
+            <a:r>
+              <a:rPr lang="en-US" altLang="ja-JP" dirty="0"/>
+              <a:t>(</a:t>
+            </a:r>
+            <a:r>
+              <a:rPr lang="en-US" altLang="ja-JP" dirty="0" err="1"/>
+              <a:t>i</a:t>
+            </a:r>
+            <a:r>
+              <a:rPr lang="en-US" altLang="ja-JP" dirty="0"/>
+              <a:t>=0)</a:t>
+            </a:r>
+          </a:p>
+          <a:p>
+            <a:endParaRPr lang="en-US" altLang="ja-JP" dirty="0"/>
+          </a:p>
+          <a:p>
+            <a:r>
+              <a:rPr lang="ja-JP" altLang="en-US" dirty="0"/>
+              <a:t>内側の </a:t>
+            </a:r>
+            <a:r>
+              <a:rPr lang="en-US" altLang="ja-JP" dirty="0"/>
+              <a:t>min: </a:t>
+            </a:r>
+          </a:p>
+          <a:p>
+            <a:pPr lvl="1"/>
+            <a:r>
+              <a:rPr lang="en-US" altLang="ja-JP" dirty="0"/>
+              <a:t>Mc </a:t>
+            </a:r>
+            <a:r>
+              <a:rPr lang="ja-JP" altLang="en-US" dirty="0"/>
+              <a:t>が空なので、全ての </a:t>
+            </a:r>
+            <a:r>
+              <a:rPr lang="en-US" altLang="ja-JP" dirty="0"/>
+              <a:t>m </a:t>
+            </a:r>
+            <a:r>
+              <a:rPr lang="ja-JP" altLang="en-US" dirty="0"/>
+              <a:t>に対して </a:t>
+            </a:r>
+            <a:r>
+              <a:rPr lang="en-US" altLang="ja-JP" dirty="0"/>
+              <a:t>min_{n \in Mc} ||...|| </a:t>
+            </a:r>
+            <a:r>
+              <a:rPr lang="ja-JP" altLang="en-US" dirty="0"/>
+              <a:t>は </a:t>
+            </a:r>
+            <a:r>
+              <a:rPr lang="en-US" altLang="ja-JP" dirty="0"/>
+              <a:t>+∞ </a:t>
+            </a:r>
+            <a:r>
+              <a:rPr lang="ja-JP" altLang="en-US" dirty="0"/>
+              <a:t>になる。</a:t>
+            </a:r>
+          </a:p>
+          <a:p>
+            <a:r>
+              <a:rPr lang="ja-JP" altLang="en-US" dirty="0"/>
+              <a:t>外側の </a:t>
+            </a:r>
+            <a:r>
+              <a:rPr lang="en-US" altLang="ja-JP" dirty="0" err="1"/>
+              <a:t>arg</a:t>
+            </a:r>
+            <a:r>
+              <a:rPr lang="en-US" altLang="ja-JP" dirty="0"/>
+              <a:t> max: </a:t>
+            </a:r>
+          </a:p>
+          <a:p>
+            <a:pPr lvl="1"/>
+            <a:r>
+              <a:rPr lang="en-US" altLang="ja-JP" dirty="0" err="1"/>
+              <a:t>arg</a:t>
+            </a:r>
+            <a:r>
+              <a:rPr lang="en-US" altLang="ja-JP" dirty="0"/>
+              <a:t> max_{m \in M-Mc} (+∞)</a:t>
+            </a:r>
+          </a:p>
+          <a:p>
+            <a:pPr lvl="1"/>
+            <a:r>
+              <a:rPr lang="ja-JP" altLang="en-US" dirty="0"/>
+              <a:t>全ての </a:t>
+            </a:r>
+            <a:r>
+              <a:rPr lang="en-US" altLang="ja-JP" dirty="0"/>
+              <a:t>m </a:t>
+            </a:r>
+            <a:r>
+              <a:rPr lang="ja-JP" altLang="en-US" dirty="0"/>
+              <a:t>に対して </a:t>
+            </a:r>
+            <a:r>
+              <a:rPr lang="en-US" altLang="ja-JP" dirty="0"/>
+              <a:t>min </a:t>
+            </a:r>
+            <a:r>
+              <a:rPr lang="ja-JP" altLang="en-US" dirty="0"/>
+              <a:t>の結果が </a:t>
+            </a:r>
+            <a:r>
+              <a:rPr lang="en-US" altLang="ja-JP" dirty="0"/>
+              <a:t>+∞ </a:t>
+            </a:r>
+            <a:r>
+              <a:rPr lang="ja-JP" altLang="en-US" dirty="0"/>
+              <a:t>となり、差がない。</a:t>
+            </a:r>
+          </a:p>
+          <a:p>
+            <a:pPr lvl="1"/>
+            <a:r>
+              <a:rPr lang="ja-JP" altLang="en-US" dirty="0"/>
+              <a:t>この場合、アルゴリズムは </a:t>
+            </a:r>
+            <a:r>
+              <a:rPr lang="en-US" altLang="ja-JP" dirty="0"/>
+              <a:t>M </a:t>
+            </a:r>
+            <a:r>
+              <a:rPr lang="ja-JP" altLang="en-US" dirty="0"/>
+              <a:t>の中からランダムに</a:t>
+            </a:r>
+            <a:r>
+              <a:rPr lang="en-US" altLang="ja-JP" dirty="0"/>
+              <a:t>1</a:t>
+            </a:r>
+            <a:r>
+              <a:rPr lang="ja-JP" altLang="en-US" dirty="0" err="1"/>
+              <a:t>つの</a:t>
+            </a:r>
+            <a:r>
+              <a:rPr lang="ja-JP" altLang="en-US" dirty="0"/>
+              <a:t>点 </a:t>
+            </a:r>
+            <a:r>
+              <a:rPr lang="en-US" altLang="ja-JP" dirty="0"/>
+              <a:t>m_0 </a:t>
+            </a:r>
+            <a:r>
+              <a:rPr lang="ja-JP" altLang="en-US" dirty="0"/>
+              <a:t>を選び最初の代表点とする。</a:t>
+            </a:r>
+          </a:p>
+          <a:p>
+            <a:endParaRPr lang="en-US" altLang="ja-JP" dirty="0"/>
+          </a:p>
+          <a:p>
             <a:endParaRPr kumimoji="1" lang="ja-JP" altLang="en-US" dirty="0"/>
-          </a:p>
-        </p:txBody>
-      </p:sp>
-      <p:pic>
-        <p:nvPicPr>
-          <p:cNvPr id="6" name="図 5">
-            <a:extLst>
-              <a:ext uri="{FF2B5EF4-FFF2-40B4-BE49-F238E27FC236}">
-                <a16:creationId xmlns:a16="http://schemas.microsoft.com/office/drawing/2014/main" id="{31389738-6FD7-44E9-82C5-FD4F7063647D}"/>
-              </a:ext>
-            </a:extLst>
-          </p:cNvPr>
-          <p:cNvPicPr>
-            <a:picLocks noChangeAspect="1"/>
-          </p:cNvPicPr>
-          <p:nvPr/>
-        </p:nvPicPr>
-        <p:blipFill>
-          <a:blip r:embed="rId5"/>
-          <a:stretch>
-            <a:fillRect/>
-          </a:stretch>
-        </p:blipFill>
-        <p:spPr>
-          <a:xfrm>
-            <a:off x="5653758" y="4239565"/>
-            <a:ext cx="5597012" cy="1345019"/>
-          </a:xfrm>
-          <a:prstGeom prst="rect">
-            <a:avLst/>
-          </a:prstGeom>
-        </p:spPr>
-      </p:pic>
-      <p:sp>
-        <p:nvSpPr>
-          <p:cNvPr id="7" name="テキスト ボックス 6">
-            <a:extLst>
-              <a:ext uri="{FF2B5EF4-FFF2-40B4-BE49-F238E27FC236}">
-                <a16:creationId xmlns:a16="http://schemas.microsoft.com/office/drawing/2014/main" id="{A79108FE-EA45-44F9-AE4C-311E8C02FE95}"/>
-              </a:ext>
-            </a:extLst>
-          </p:cNvPr>
-          <p:cNvSpPr txBox="1"/>
-          <p:nvPr/>
-        </p:nvSpPr>
-        <p:spPr>
-          <a:xfrm>
-            <a:off x="6883479" y="6140111"/>
-            <a:ext cx="3137570" cy="369332"/>
-          </a:xfrm>
-          <a:prstGeom prst="rect">
-            <a:avLst/>
-          </a:prstGeom>
-          <a:noFill/>
-        </p:spPr>
-        <p:txBody>
-          <a:bodyPr wrap="square" rtlCol="0">
-            <a:spAutoFit/>
-          </a:bodyPr>
-          <a:lstStyle/>
-          <a:p>
-            <a:pPr algn="ctr"/>
-            <a:r>
-              <a:rPr lang="en-US" altLang="ja-JP" dirty="0" err="1"/>
-              <a:t>MVTecAD</a:t>
-            </a:r>
-            <a:r>
-              <a:rPr lang="ja-JP" altLang="en-US" dirty="0"/>
-              <a:t>の画像（抜粋）</a:t>
-            </a:r>
-            <a:endParaRPr kumimoji="1" lang="ja-JP" altLang="en-US" dirty="0"/>
-          </a:p>
-        </p:txBody>
-      </p:sp>
-      <p:sp>
-        <p:nvSpPr>
-          <p:cNvPr id="13" name="正方形/長方形 12">
-            <a:extLst>
-              <a:ext uri="{FF2B5EF4-FFF2-40B4-BE49-F238E27FC236}">
-                <a16:creationId xmlns:a16="http://schemas.microsoft.com/office/drawing/2014/main" id="{12AF46D4-BC75-4C4C-85ED-68B0F8690A90}"/>
-              </a:ext>
-            </a:extLst>
-          </p:cNvPr>
-          <p:cNvSpPr/>
-          <p:nvPr/>
-        </p:nvSpPr>
-        <p:spPr>
-          <a:xfrm>
-            <a:off x="8882038" y="5931766"/>
-            <a:ext cx="2278022" cy="215391"/>
-          </a:xfrm>
-          <a:prstGeom prst="rect">
-            <a:avLst/>
-          </a:prstGeom>
-        </p:spPr>
-        <p:txBody>
-          <a:bodyPr wrap="square">
-            <a:spAutoFit/>
-          </a:bodyPr>
-          <a:lstStyle/>
-          <a:p>
-            <a:r>
-              <a:rPr lang="en-US" altLang="ja-JP" sz="800" dirty="0">
-                <a:hlinkClick r:id="rId6"/>
-              </a:rPr>
-              <a:t>https://hoya012.github.io/blog/MVTec-AD/</a:t>
-            </a:r>
-            <a:endParaRPr lang="en-US" altLang="ja-JP" sz="800" dirty="0"/>
           </a:p>
         </p:txBody>
       </p:sp>
     </p:spTree>
     <p:extLst>
       <p:ext uri="{BB962C8B-B14F-4D97-AF65-F5344CB8AC3E}">
-        <p14:creationId xmlns:p14="http://schemas.microsoft.com/office/powerpoint/2010/main" val="1368638719"/>
+        <p14:creationId xmlns:p14="http://schemas.microsoft.com/office/powerpoint/2010/main" val="3218889256"/>
       </p:ext>
     </p:extLst>
   </p:cSld>
